--- a/09-Abstract classes.pptx
+++ b/09-Abstract classes.pptx
@@ -11,7 +11,7 @@
     <p:handoutMasterId r:id="rId15"/>
   </p:handoutMasterIdLst>
   <p:sldIdLst>
-    <p:sldId id="776" r:id="rId5"/>
+    <p:sldId id="1560" r:id="rId5"/>
     <p:sldId id="790" r:id="rId6"/>
     <p:sldId id="791" r:id="rId7"/>
     <p:sldId id="792" r:id="rId8"/>
@@ -126,7 +126,7 @@
       <p14:sectionLst xmlns:p14="http://schemas.microsoft.com/office/powerpoint/2010/main">
         <p14:section name="Title slide" id="{DE8BF54A-1323-4403-83F8-D7B5510C9D53}">
           <p14:sldIdLst>
-            <p14:sldId id="776"/>
+            <p14:sldId id="1560"/>
             <p14:sldId id="790"/>
             <p14:sldId id="791"/>
             <p14:sldId id="792"/>
@@ -2882,7 +2882,7 @@
           <a:p>
             <a:fld id="{86D088FE-3E68-47FE-8BA4-634CD34BABBC}" type="datetimeFigureOut">
               <a:rPr lang="en-GB" smtClean="0"/>
-              <a:t>04/12/2025</a:t>
+              <a:t>05/12/2025</a:t>
             </a:fld>
             <a:endParaRPr lang="en-GB"/>
           </a:p>
@@ -3052,7 +3052,7 @@
             <a:fld id="{1D6B66C6-1E92-0F4E-A300-9D4ED1F0C23F}" type="datetimeFigureOut">
               <a:rPr lang="en-GB" smtClean="0"/>
               <a:pPr/>
-              <a:t>04/12/2025</a:t>
+              <a:t>05/12/2025</a:t>
             </a:fld>
             <a:endParaRPr lang="en-GB"/>
           </a:p>
@@ -3369,7 +3369,7 @@
           <a:bodyPr/>
           <a:lstStyle/>
           <a:p>
-            <a:endParaRPr lang="en-IN" dirty="0"/>
+            <a:endParaRPr lang="en-US"/>
           </a:p>
         </p:txBody>
       </p:sp>
@@ -3380,7 +3380,7 @@
             <a:spLocks noGrp="1"/>
           </p:cNvSpPr>
           <p:nvPr>
-            <p:ph type="sldNum" sz="quarter" idx="10"/>
+            <p:ph type="sldNum" sz="quarter" idx="5"/>
           </p:nvPr>
         </p:nvSpPr>
         <p:spPr/>
@@ -3388,9 +3388,8 @@
           <a:bodyPr/>
           <a:lstStyle/>
           <a:p>
-            <a:fld id="{548901C6-1DA1-FB44-ABEE-06A0FEB7738E}" type="slidenum">
+            <a:fld id="{35BE1F5F-BEC2-48D5-A890-C07C79853E26}" type="slidenum">
               <a:rPr lang="en-GB" smtClean="0"/>
-              <a:pPr/>
               <a:t>1</a:t>
             </a:fld>
             <a:endParaRPr lang="en-GB"/>
@@ -3400,7 +3399,7 @@
     </p:spTree>
     <p:extLst>
       <p:ext uri="{BB962C8B-B14F-4D97-AF65-F5344CB8AC3E}">
-        <p14:creationId xmlns:p14="http://schemas.microsoft.com/office/powerpoint/2010/main" val="110649545"/>
+        <p14:creationId xmlns:p14="http://schemas.microsoft.com/office/powerpoint/2010/main" val="2546931957"/>
       </p:ext>
     </p:extLst>
   </p:cSld>
@@ -24321,6 +24320,245 @@
 </p:sldLayout>
 </file>
 
+<file path=ppt/slideLayouts/slideLayout38.xml><?xml version="1.0" encoding="utf-8"?>
+<p:sldLayout xmlns:a="http://schemas.openxmlformats.org/drawingml/2006/main" xmlns:r="http://schemas.openxmlformats.org/officeDocument/2006/relationships" xmlns:p="http://schemas.openxmlformats.org/presentationml/2006/main" type="title">
+  <p:cSld name="Purple_divider">
+    <p:bg>
+      <p:bgPr>
+        <a:blipFill dpi="0" rotWithShape="1">
+          <a:blip r:embed="rId2">
+            <a:lum/>
+          </a:blip>
+          <a:srcRect/>
+          <a:stretch>
+            <a:fillRect/>
+          </a:stretch>
+        </a:blipFill>
+        <a:effectLst/>
+      </p:bgPr>
+    </p:bg>
+    <p:spTree>
+      <p:nvGrpSpPr>
+        <p:cNvPr id="1" name=""/>
+        <p:cNvGrpSpPr/>
+        <p:nvPr/>
+      </p:nvGrpSpPr>
+      <p:grpSpPr>
+        <a:xfrm>
+          <a:off x="0" y="0"/>
+          <a:ext cx="0" cy="0"/>
+          <a:chOff x="0" y="0"/>
+          <a:chExt cx="0" cy="0"/>
+        </a:xfrm>
+      </p:grpSpPr>
+      <p:pic>
+        <p:nvPicPr>
+          <p:cNvPr id="5" name="Picture 4">
+            <a:extLst>
+              <a:ext uri="{FF2B5EF4-FFF2-40B4-BE49-F238E27FC236}">
+                <a16:creationId xmlns:a16="http://schemas.microsoft.com/office/drawing/2014/main" id="{AB0B8D50-2C63-2F2E-599F-E921BF1F757F}"/>
+              </a:ext>
+              <a:ext uri="{C183D7F6-B498-43B3-948B-1728B52AA6E4}">
+                <adec:decorative xmlns:adec="http://schemas.microsoft.com/office/drawing/2017/decorative" val="1"/>
+              </a:ext>
+            </a:extLst>
+          </p:cNvPr>
+          <p:cNvPicPr>
+            <a:picLocks noChangeAspect="1"/>
+          </p:cNvPicPr>
+          <p:nvPr userDrawn="1"/>
+        </p:nvPicPr>
+        <p:blipFill>
+          <a:blip r:embed="rId3"/>
+          <a:stretch>
+            <a:fillRect/>
+          </a:stretch>
+        </p:blipFill>
+        <p:spPr>
+          <a:xfrm>
+            <a:off x="0" y="898802"/>
+            <a:ext cx="8062294" cy="1684800"/>
+          </a:xfrm>
+          <a:prstGeom prst="rect">
+            <a:avLst/>
+          </a:prstGeom>
+        </p:spPr>
+      </p:pic>
+      <p:sp>
+        <p:nvSpPr>
+          <p:cNvPr id="2" name="Title 1">
+            <a:extLst>
+              <a:ext uri="{FF2B5EF4-FFF2-40B4-BE49-F238E27FC236}">
+                <a16:creationId xmlns:a16="http://schemas.microsoft.com/office/drawing/2014/main" id="{909D855A-1A49-ADBE-89C8-65ECAFD2AAB3}"/>
+              </a:ext>
+            </a:extLst>
+          </p:cNvPr>
+          <p:cNvSpPr>
+            <a:spLocks noGrp="1"/>
+          </p:cNvSpPr>
+          <p:nvPr>
+            <p:ph type="ctrTitle"/>
+          </p:nvPr>
+        </p:nvSpPr>
+        <p:spPr>
+          <a:xfrm>
+            <a:off x="473406" y="1118152"/>
+            <a:ext cx="6777996" cy="1247916"/>
+          </a:xfrm>
+          <a:prstGeom prst="rect">
+            <a:avLst/>
+          </a:prstGeom>
+          <a:ln>
+            <a:noFill/>
+          </a:ln>
+        </p:spPr>
+        <p:txBody>
+          <a:bodyPr lIns="0" rIns="0" anchor="ctr"/>
+          <a:lstStyle>
+            <a:lvl1pPr algn="l">
+              <a:lnSpc>
+                <a:spcPct val="100000"/>
+              </a:lnSpc>
+              <a:defRPr sz="3600">
+                <a:solidFill>
+                  <a:schemeClr val="tx1"/>
+                </a:solidFill>
+              </a:defRPr>
+            </a:lvl1pPr>
+          </a:lstStyle>
+          <a:p>
+            <a:endParaRPr lang="en-GB"/>
+          </a:p>
+        </p:txBody>
+      </p:sp>
+      <p:sp>
+        <p:nvSpPr>
+          <p:cNvPr id="3" name="Subtitle 2">
+            <a:extLst>
+              <a:ext uri="{FF2B5EF4-FFF2-40B4-BE49-F238E27FC236}">
+                <a16:creationId xmlns:a16="http://schemas.microsoft.com/office/drawing/2014/main" id="{994AF8D4-DACD-9AF9-364C-02C474BC62A5}"/>
+              </a:ext>
+            </a:extLst>
+          </p:cNvPr>
+          <p:cNvSpPr>
+            <a:spLocks noGrp="1"/>
+          </p:cNvSpPr>
+          <p:nvPr>
+            <p:ph type="subTitle" idx="1"/>
+          </p:nvPr>
+        </p:nvSpPr>
+        <p:spPr>
+          <a:xfrm>
+            <a:off x="473406" y="2902689"/>
+            <a:ext cx="6150678" cy="863600"/>
+          </a:xfrm>
+          <a:prstGeom prst="rect">
+            <a:avLst/>
+          </a:prstGeom>
+          <a:ln>
+            <a:noFill/>
+          </a:ln>
+        </p:spPr>
+        <p:txBody>
+          <a:bodyPr lIns="0" rIns="0" anchor="t"/>
+          <a:lstStyle>
+            <a:lvl1pPr marL="0" indent="0" algn="l">
+              <a:buNone/>
+              <a:defRPr sz="1800">
+                <a:solidFill>
+                  <a:schemeClr val="tx1"/>
+                </a:solidFill>
+              </a:defRPr>
+            </a:lvl1pPr>
+            <a:lvl2pPr marL="457200" indent="0" algn="ctr">
+              <a:buNone/>
+              <a:defRPr sz="2000"/>
+            </a:lvl2pPr>
+            <a:lvl3pPr marL="914400" indent="0" algn="ctr">
+              <a:buNone/>
+              <a:defRPr sz="1800"/>
+            </a:lvl3pPr>
+            <a:lvl4pPr marL="1371600" indent="0" algn="ctr">
+              <a:buNone/>
+              <a:defRPr sz="1600"/>
+            </a:lvl4pPr>
+            <a:lvl5pPr marL="1828800" indent="0" algn="ctr">
+              <a:buNone/>
+              <a:defRPr sz="1600"/>
+            </a:lvl5pPr>
+            <a:lvl6pPr marL="2286000" indent="0" algn="ctr">
+              <a:buNone/>
+              <a:defRPr sz="1600"/>
+            </a:lvl6pPr>
+            <a:lvl7pPr marL="2743200" indent="0" algn="ctr">
+              <a:buNone/>
+              <a:defRPr sz="1600"/>
+            </a:lvl7pPr>
+            <a:lvl8pPr marL="3200400" indent="0" algn="ctr">
+              <a:buNone/>
+              <a:defRPr sz="1600"/>
+            </a:lvl8pPr>
+            <a:lvl9pPr marL="3657600" indent="0" algn="ctr">
+              <a:buNone/>
+              <a:defRPr sz="1600"/>
+            </a:lvl9pPr>
+          </a:lstStyle>
+          <a:p>
+            <a:endParaRPr lang="en-GB"/>
+          </a:p>
+        </p:txBody>
+      </p:sp>
+      <p:pic>
+        <p:nvPicPr>
+          <p:cNvPr id="9" name="Picture 8">
+            <a:extLst>
+              <a:ext uri="{FF2B5EF4-FFF2-40B4-BE49-F238E27FC236}">
+                <a16:creationId xmlns:a16="http://schemas.microsoft.com/office/drawing/2014/main" id="{ADC96ABF-C649-123E-FBF1-598689C3D553}"/>
+              </a:ext>
+              <a:ext uri="{C183D7F6-B498-43B3-948B-1728B52AA6E4}">
+                <adec:decorative xmlns:adec="http://schemas.microsoft.com/office/drawing/2017/decorative" val="1"/>
+              </a:ext>
+            </a:extLst>
+          </p:cNvPr>
+          <p:cNvPicPr>
+            <a:picLocks noChangeAspect="1"/>
+          </p:cNvPicPr>
+          <p:nvPr userDrawn="1"/>
+        </p:nvPicPr>
+        <p:blipFill>
+          <a:blip r:embed="rId4"/>
+          <a:stretch>
+            <a:fillRect/>
+          </a:stretch>
+        </p:blipFill>
+        <p:spPr>
+          <a:xfrm>
+            <a:off x="473406" y="5650088"/>
+            <a:ext cx="1972082" cy="650979"/>
+          </a:xfrm>
+          <a:prstGeom prst="rect">
+            <a:avLst/>
+          </a:prstGeom>
+        </p:spPr>
+      </p:pic>
+    </p:spTree>
+    <p:extLst>
+      <p:ext uri="{BB962C8B-B14F-4D97-AF65-F5344CB8AC3E}">
+        <p14:creationId xmlns:p14="http://schemas.microsoft.com/office/powerpoint/2010/main" val="69338123"/>
+      </p:ext>
+    </p:extLst>
+  </p:cSld>
+  <p:clrMapOvr>
+    <a:masterClrMapping/>
+  </p:clrMapOvr>
+  <p:extLst>
+    <p:ext uri="{DCECCB84-F9BA-43D5-87BE-67443E8EF086}">
+      <p15:sldGuideLst xmlns:p15="http://schemas.microsoft.com/office/powerpoint/2012/main"/>
+    </p:ext>
+  </p:extLst>
+</p:sldLayout>
+</file>
+
 <file path=ppt/slideLayouts/slideLayout4.xml><?xml version="1.0" encoding="utf-8"?>
 <p:sldLayout xmlns:a="http://schemas.openxmlformats.org/drawingml/2006/main" xmlns:r="http://schemas.openxmlformats.org/officeDocument/2006/relationships" xmlns:p="http://schemas.openxmlformats.org/presentationml/2006/main" showMasterSp="0" preserve="1" userDrawn="1">
   <p:cSld name="Title slide 1">
@@ -28568,6 +28806,7 @@
     <p:sldLayoutId id="2147483903" r:id="rId35"/>
     <p:sldLayoutId id="2147483905" r:id="rId36"/>
     <p:sldLayoutId id="2147483906" r:id="rId37"/>
+    <p:sldLayoutId id="2147483907" r:id="rId38"/>
   </p:sldLayoutIdLst>
   <p:hf hdr="0" dt="0"/>
   <p:txStyles>
@@ -28626,7 +28865,7 @@
         <a:buSzPct val="125000"/>
         <a:buFontTx/>
         <a:buBlip>
-          <a:blip r:embed="rId39"/>
+          <a:blip r:embed="rId40"/>
         </a:buBlip>
         <a:tabLst/>
         <a:defRPr sz="2000" b="0" kern="1200">
@@ -28651,7 +28890,7 @@
         <a:buSzPct val="120000"/>
         <a:buFontTx/>
         <a:buBlip>
-          <a:blip r:embed="rId39"/>
+          <a:blip r:embed="rId40"/>
         </a:buBlip>
         <a:tabLst/>
         <a:defRPr sz="2000" b="0" i="0" kern="1200">
@@ -28676,7 +28915,7 @@
         <a:buSzPct val="120000"/>
         <a:buFontTx/>
         <a:buBlip>
-          <a:blip r:embed="rId39"/>
+          <a:blip r:embed="rId40"/>
         </a:buBlip>
         <a:tabLst/>
         <a:defRPr sz="2000" b="0" kern="1200">
@@ -28701,7 +28940,7 @@
         <a:buSzPct val="125000"/>
         <a:buFontTx/>
         <a:buBlip>
-          <a:blip r:embed="rId39"/>
+          <a:blip r:embed="rId40"/>
         </a:buBlip>
         <a:tabLst/>
         <a:defRPr sz="2000" b="0" kern="1200">
@@ -29050,7 +29289,13 @@
       </p:grpSpPr>
       <p:sp>
         <p:nvSpPr>
-          <p:cNvPr id="3" name="Title 2"/>
+          <p:cNvPr id="4" name="Title 3">
+            <a:extLst>
+              <a:ext uri="{FF2B5EF4-FFF2-40B4-BE49-F238E27FC236}">
+                <a16:creationId xmlns:a16="http://schemas.microsoft.com/office/drawing/2014/main" id="{6B10A2E5-A3AA-7BE3-7C87-983A58C15C46}"/>
+              </a:ext>
+            </a:extLst>
+          </p:cNvPr>
           <p:cNvSpPr>
             <a:spLocks noGrp="1"/>
           </p:cNvSpPr>
@@ -29067,14 +29312,39 @@
               <a:rPr lang="en-GB" dirty="0"/>
               <a:t>Abstract Classes</a:t>
             </a:r>
-            <a:endParaRPr lang="en-IN" dirty="0"/>
+            <a:endParaRPr lang="en-US" dirty="0"/>
+          </a:p>
+        </p:txBody>
+      </p:sp>
+      <p:sp>
+        <p:nvSpPr>
+          <p:cNvPr id="3" name="Subtitle 2">
+            <a:extLst>
+              <a:ext uri="{FF2B5EF4-FFF2-40B4-BE49-F238E27FC236}">
+                <a16:creationId xmlns:a16="http://schemas.microsoft.com/office/drawing/2014/main" id="{52534D79-CFC0-C4F4-AD12-F13DBCAB1A97}"/>
+              </a:ext>
+            </a:extLst>
+          </p:cNvPr>
+          <p:cNvSpPr>
+            <a:spLocks noGrp="1"/>
+          </p:cNvSpPr>
+          <p:nvPr>
+            <p:ph type="subTitle" idx="1"/>
+          </p:nvPr>
+        </p:nvSpPr>
+        <p:spPr/>
+        <p:txBody>
+          <a:bodyPr/>
+          <a:lstStyle/>
+          <a:p>
+            <a:endParaRPr lang="en-GB"/>
           </a:p>
         </p:txBody>
       </p:sp>
     </p:spTree>
     <p:extLst>
       <p:ext uri="{BB962C8B-B14F-4D97-AF65-F5344CB8AC3E}">
-        <p14:creationId xmlns:p14="http://schemas.microsoft.com/office/powerpoint/2010/main" val="1579694095"/>
+        <p14:creationId xmlns:p14="http://schemas.microsoft.com/office/powerpoint/2010/main" val="1003932267"/>
       </p:ext>
     </p:extLst>
   </p:cSld>
@@ -35102,32 +35372,6 @@
 </file>
 
 <file path=customXml/item1.xml><?xml version="1.0" encoding="utf-8"?>
-<?mso-contentType ?>
-<FormTemplates xmlns="http://schemas.microsoft.com/sharepoint/v3/contenttype/forms">
-  <Display>DocumentLibraryForm</Display>
-  <Edit>DocumentLibraryForm</Edit>
-  <New>DocumentLibraryForm</New>
-</FormTemplates>
-</file>
-
-<file path=customXml/item2.xml><?xml version="1.0" encoding="utf-8"?>
-<p:properties xmlns:p="http://schemas.microsoft.com/office/2006/metadata/properties" xmlns:xsi="http://www.w3.org/2001/XMLSchema-instance" xmlns:pc="http://schemas.microsoft.com/office/infopath/2007/PartnerControls">
-  <documentManagement>
-    <SequenceNumber xmlns="6794D9DE-4FDF-4DC0-8B2C-5438320C69D5" xsi:nil="true"/>
-    <IsBuildFile xmlns="6794D9DE-4FDF-4DC0-8B2C-5438320C69D5" xsi:nil="true"/>
-    <BookTypeField0 xmlns="6794D9DE-4FDF-4DC0-8B2C-5438320C69D5">
-      <Terms xmlns="http://schemas.microsoft.com/office/infopath/2007/PartnerControls">
-        <TermInfo xmlns="http://schemas.microsoft.com/office/infopath/2007/PartnerControls">
-          <TermName xmlns="http://schemas.microsoft.com/office/infopath/2007/PartnerControls">IK</TermName>
-          <TermId xmlns="http://schemas.microsoft.com/office/infopath/2007/PartnerControls">5abe6401-e87a-4499-80b4-3d21a1a6ebd7</TermId>
-        </TermInfo>
-      </Terms>
-    </BookTypeField0>
-  </documentManagement>
-</p:properties>
-</file>
-
-<file path=customXml/item3.xml><?xml version="1.0" encoding="utf-8"?>
 <ct:contentTypeSchema xmlns:ct="http://schemas.microsoft.com/office/2006/metadata/contentType" xmlns:ma="http://schemas.microsoft.com/office/2006/metadata/properties/metaAttributes" ct:_="" ma:_="" ma:contentTypeName="Courseware" ma:contentTypeID="0x010100F0967B7CEE8D417F966757887D9466FB00B3EF5B1D149FDF49B1880C030D548140" ma:contentTypeVersion="0" ma:contentTypeDescription="Base content type which represents courseware documents" ma:contentTypeScope="" ma:versionID="ab0d7ca79e0ea5a537b031f986da336c">
   <xsd:schema xmlns:xsd="http://www.w3.org/2001/XMLSchema" xmlns:xs="http://www.w3.org/2001/XMLSchema" xmlns:p="http://schemas.microsoft.com/office/2006/metadata/properties" xmlns:ns2="6794D9DE-4FDF-4DC0-8B2C-5438320C69D5" targetNamespace="http://schemas.microsoft.com/office/2006/metadata/properties" ma:root="true" ma:fieldsID="7ff8e7c62cc10108c036e94c947d8fb9" ns2:_="">
     <xsd:import namespace="6794D9DE-4FDF-4DC0-8B2C-5438320C69D5"/>
@@ -35267,10 +35511,46 @@
 </ct:contentTypeSchema>
 </file>
 
+<file path=customXml/item2.xml><?xml version="1.0" encoding="utf-8"?>
+<p:properties xmlns:p="http://schemas.microsoft.com/office/2006/metadata/properties" xmlns:xsi="http://www.w3.org/2001/XMLSchema-instance" xmlns:pc="http://schemas.microsoft.com/office/infopath/2007/PartnerControls">
+  <documentManagement>
+    <SequenceNumber xmlns="6794D9DE-4FDF-4DC0-8B2C-5438320C69D5" xsi:nil="true"/>
+    <IsBuildFile xmlns="6794D9DE-4FDF-4DC0-8B2C-5438320C69D5" xsi:nil="true"/>
+    <BookTypeField0 xmlns="6794D9DE-4FDF-4DC0-8B2C-5438320C69D5">
+      <Terms xmlns="http://schemas.microsoft.com/office/infopath/2007/PartnerControls">
+        <TermInfo xmlns="http://schemas.microsoft.com/office/infopath/2007/PartnerControls">
+          <TermName xmlns="http://schemas.microsoft.com/office/infopath/2007/PartnerControls">IK</TermName>
+          <TermId xmlns="http://schemas.microsoft.com/office/infopath/2007/PartnerControls">5abe6401-e87a-4499-80b4-3d21a1a6ebd7</TermId>
+        </TermInfo>
+      </Terms>
+    </BookTypeField0>
+  </documentManagement>
+</p:properties>
+</file>
+
+<file path=customXml/item3.xml><?xml version="1.0" encoding="utf-8"?>
+<?mso-contentType ?>
+<FormTemplates xmlns="http://schemas.microsoft.com/sharepoint/v3/contenttype/forms">
+  <Display>DocumentLibraryForm</Display>
+  <Edit>DocumentLibraryForm</Edit>
+  <New>DocumentLibraryForm</New>
+</FormTemplates>
+</file>
+
 <file path=customXml/itemProps1.xml><?xml version="1.0" encoding="utf-8"?>
-<ds:datastoreItem xmlns:ds="http://schemas.openxmlformats.org/officeDocument/2006/customXml" ds:itemID="{F5EE1230-8E06-4B7E-922E-37040E46E781}">
+<ds:datastoreItem xmlns:ds="http://schemas.openxmlformats.org/officeDocument/2006/customXml" ds:itemID="{BA980A2A-027D-4974-B588-4101B49F521D}">
   <ds:schemaRefs>
-    <ds:schemaRef ds:uri="http://schemas.microsoft.com/sharepoint/v3/contenttype/forms"/>
+    <ds:schemaRef ds:uri="http://schemas.microsoft.com/office/2006/metadata/contentType"/>
+    <ds:schemaRef ds:uri="http://schemas.microsoft.com/office/2006/metadata/properties/metaAttributes"/>
+    <ds:schemaRef ds:uri="http://www.w3.org/2001/XMLSchema"/>
+    <ds:schemaRef ds:uri="http://schemas.microsoft.com/office/2006/metadata/properties"/>
+    <ds:schemaRef ds:uri="6794D9DE-4FDF-4DC0-8B2C-5438320C69D5"/>
+    <ds:schemaRef ds:uri="http://schemas.microsoft.com/office/2006/documentManagement/types"/>
+    <ds:schemaRef ds:uri="http://schemas.microsoft.com/office/infopath/2007/PartnerControls"/>
+    <ds:schemaRef ds:uri="http://schemas.openxmlformats.org/package/2006/metadata/core-properties"/>
+    <ds:schemaRef ds:uri="http://purl.org/dc/elements/1.1/"/>
+    <ds:schemaRef ds:uri="http://purl.org/dc/terms/"/>
+    <ds:schemaRef ds:uri="http://schemas.microsoft.com/internal/obd"/>
   </ds:schemaRefs>
 </ds:datastoreItem>
 </file>
@@ -35292,19 +35572,9 @@
 </file>
 
 <file path=customXml/itemProps3.xml><?xml version="1.0" encoding="utf-8"?>
-<ds:datastoreItem xmlns:ds="http://schemas.openxmlformats.org/officeDocument/2006/customXml" ds:itemID="{BA980A2A-027D-4974-B588-4101B49F521D}">
+<ds:datastoreItem xmlns:ds="http://schemas.openxmlformats.org/officeDocument/2006/customXml" ds:itemID="{F5EE1230-8E06-4B7E-922E-37040E46E781}">
   <ds:schemaRefs>
-    <ds:schemaRef ds:uri="http://schemas.microsoft.com/office/2006/metadata/contentType"/>
-    <ds:schemaRef ds:uri="http://schemas.microsoft.com/office/2006/metadata/properties/metaAttributes"/>
-    <ds:schemaRef ds:uri="http://www.w3.org/2001/XMLSchema"/>
-    <ds:schemaRef ds:uri="http://schemas.microsoft.com/office/2006/metadata/properties"/>
-    <ds:schemaRef ds:uri="6794D9DE-4FDF-4DC0-8B2C-5438320C69D5"/>
-    <ds:schemaRef ds:uri="http://schemas.microsoft.com/office/2006/documentManagement/types"/>
-    <ds:schemaRef ds:uri="http://schemas.microsoft.com/office/infopath/2007/PartnerControls"/>
-    <ds:schemaRef ds:uri="http://schemas.openxmlformats.org/package/2006/metadata/core-properties"/>
-    <ds:schemaRef ds:uri="http://purl.org/dc/elements/1.1/"/>
-    <ds:schemaRef ds:uri="http://purl.org/dc/terms/"/>
-    <ds:schemaRef ds:uri="http://schemas.microsoft.com/internal/obd"/>
+    <ds:schemaRef ds:uri="http://schemas.microsoft.com/sharepoint/v3/contenttype/forms"/>
   </ds:schemaRefs>
 </ds:datastoreItem>
 </file>
--- a/09-Abstract classes.pptx
+++ b/09-Abstract classes.pptx
@@ -2882,7 +2882,7 @@
           <a:p>
             <a:fld id="{86D088FE-3E68-47FE-8BA4-634CD34BABBC}" type="datetimeFigureOut">
               <a:rPr lang="en-GB" smtClean="0"/>
-              <a:t>05/12/2025</a:t>
+              <a:t>10/12/2025</a:t>
             </a:fld>
             <a:endParaRPr lang="en-GB"/>
           </a:p>
@@ -3052,7 +3052,7 @@
             <a:fld id="{1D6B66C6-1E92-0F4E-A300-9D4ED1F0C23F}" type="datetimeFigureOut">
               <a:rPr lang="en-GB" smtClean="0"/>
               <a:pPr/>
-              <a:t>05/12/2025</a:t>
+              <a:t>10/12/2025</a:t>
             </a:fld>
             <a:endParaRPr lang="en-GB"/>
           </a:p>
@@ -33449,7 +33449,11 @@
             <a:schemeClr val="bg1"/>
           </a:solidFill>
           <a:ln w="19050">
-            <a:noFill/>
+            <a:solidFill>
+              <a:schemeClr val="bg1">
+                <a:lumMod val="95000"/>
+              </a:schemeClr>
+            </a:solidFill>
           </a:ln>
           <a:effectLst>
             <a:outerShdw blurRad="50800" dist="38100" algn="l" rotWithShape="0">
@@ -33747,7 +33751,7 @@
         </p:nvSpPr>
         <p:spPr>
           <a:xfrm>
-            <a:off x="1847850" y="3266849"/>
+            <a:off x="1847850" y="3345812"/>
             <a:ext cx="4572000" cy="861774"/>
           </a:xfrm>
           <a:prstGeom prst="rect">
@@ -33904,7 +33908,7 @@
         </p:nvSpPr>
         <p:spPr>
           <a:xfrm>
-            <a:off x="346710" y="4544121"/>
+            <a:off x="339971" y="4991653"/>
             <a:ext cx="6073140" cy="895064"/>
           </a:xfrm>
           <a:prstGeom prst="wedgeRoundRectCallout">
@@ -34011,7 +34015,7 @@
         <p:spPr>
           <a:xfrm>
             <a:off x="6716100" y="3266849"/>
-            <a:ext cx="4572000" cy="2554545"/>
+            <a:ext cx="4572000" cy="2800767"/>
           </a:xfrm>
           <a:prstGeom prst="rect">
             <a:avLst/>
@@ -34160,6 +34164,14 @@
               </a:rPr>
               <a:t>}</a:t>
             </a:r>
+          </a:p>
+          <a:p>
+            <a:endParaRPr lang="en-GB" sz="1600" dirty="0">
+              <a:solidFill>
+                <a:srgbClr val="000000"/>
+              </a:solidFill>
+              <a:latin typeface="Consolas" panose="020B0609020204030204" pitchFamily="49" charset="0"/>
+            </a:endParaRPr>
           </a:p>
           <a:p>
             <a:r>
@@ -35372,6 +35384,32 @@
 </file>
 
 <file path=customXml/item1.xml><?xml version="1.0" encoding="utf-8"?>
+<?mso-contentType ?>
+<FormTemplates xmlns="http://schemas.microsoft.com/sharepoint/v3/contenttype/forms">
+  <Display>DocumentLibraryForm</Display>
+  <Edit>DocumentLibraryForm</Edit>
+  <New>DocumentLibraryForm</New>
+</FormTemplates>
+</file>
+
+<file path=customXml/item2.xml><?xml version="1.0" encoding="utf-8"?>
+<p:properties xmlns:p="http://schemas.microsoft.com/office/2006/metadata/properties" xmlns:xsi="http://www.w3.org/2001/XMLSchema-instance" xmlns:pc="http://schemas.microsoft.com/office/infopath/2007/PartnerControls">
+  <documentManagement>
+    <SequenceNumber xmlns="6794D9DE-4FDF-4DC0-8B2C-5438320C69D5" xsi:nil="true"/>
+    <IsBuildFile xmlns="6794D9DE-4FDF-4DC0-8B2C-5438320C69D5" xsi:nil="true"/>
+    <BookTypeField0 xmlns="6794D9DE-4FDF-4DC0-8B2C-5438320C69D5">
+      <Terms xmlns="http://schemas.microsoft.com/office/infopath/2007/PartnerControls">
+        <TermInfo xmlns="http://schemas.microsoft.com/office/infopath/2007/PartnerControls">
+          <TermName xmlns="http://schemas.microsoft.com/office/infopath/2007/PartnerControls">IK</TermName>
+          <TermId xmlns="http://schemas.microsoft.com/office/infopath/2007/PartnerControls">5abe6401-e87a-4499-80b4-3d21a1a6ebd7</TermId>
+        </TermInfo>
+      </Terms>
+    </BookTypeField0>
+  </documentManagement>
+</p:properties>
+</file>
+
+<file path=customXml/item3.xml><?xml version="1.0" encoding="utf-8"?>
 <ct:contentTypeSchema xmlns:ct="http://schemas.microsoft.com/office/2006/metadata/contentType" xmlns:ma="http://schemas.microsoft.com/office/2006/metadata/properties/metaAttributes" ct:_="" ma:_="" ma:contentTypeName="Courseware" ma:contentTypeID="0x010100F0967B7CEE8D417F966757887D9466FB00B3EF5B1D149FDF49B1880C030D548140" ma:contentTypeVersion="0" ma:contentTypeDescription="Base content type which represents courseware documents" ma:contentTypeScope="" ma:versionID="ab0d7ca79e0ea5a537b031f986da336c">
   <xsd:schema xmlns:xsd="http://www.w3.org/2001/XMLSchema" xmlns:xs="http://www.w3.org/2001/XMLSchema" xmlns:p="http://schemas.microsoft.com/office/2006/metadata/properties" xmlns:ns2="6794D9DE-4FDF-4DC0-8B2C-5438320C69D5" targetNamespace="http://schemas.microsoft.com/office/2006/metadata/properties" ma:root="true" ma:fieldsID="7ff8e7c62cc10108c036e94c947d8fb9" ns2:_="">
     <xsd:import namespace="6794D9DE-4FDF-4DC0-8B2C-5438320C69D5"/>
@@ -35511,46 +35549,10 @@
 </ct:contentTypeSchema>
 </file>
 
-<file path=customXml/item2.xml><?xml version="1.0" encoding="utf-8"?>
-<p:properties xmlns:p="http://schemas.microsoft.com/office/2006/metadata/properties" xmlns:xsi="http://www.w3.org/2001/XMLSchema-instance" xmlns:pc="http://schemas.microsoft.com/office/infopath/2007/PartnerControls">
-  <documentManagement>
-    <SequenceNumber xmlns="6794D9DE-4FDF-4DC0-8B2C-5438320C69D5" xsi:nil="true"/>
-    <IsBuildFile xmlns="6794D9DE-4FDF-4DC0-8B2C-5438320C69D5" xsi:nil="true"/>
-    <BookTypeField0 xmlns="6794D9DE-4FDF-4DC0-8B2C-5438320C69D5">
-      <Terms xmlns="http://schemas.microsoft.com/office/infopath/2007/PartnerControls">
-        <TermInfo xmlns="http://schemas.microsoft.com/office/infopath/2007/PartnerControls">
-          <TermName xmlns="http://schemas.microsoft.com/office/infopath/2007/PartnerControls">IK</TermName>
-          <TermId xmlns="http://schemas.microsoft.com/office/infopath/2007/PartnerControls">5abe6401-e87a-4499-80b4-3d21a1a6ebd7</TermId>
-        </TermInfo>
-      </Terms>
-    </BookTypeField0>
-  </documentManagement>
-</p:properties>
-</file>
-
-<file path=customXml/item3.xml><?xml version="1.0" encoding="utf-8"?>
-<?mso-contentType ?>
-<FormTemplates xmlns="http://schemas.microsoft.com/sharepoint/v3/contenttype/forms">
-  <Display>DocumentLibraryForm</Display>
-  <Edit>DocumentLibraryForm</Edit>
-  <New>DocumentLibraryForm</New>
-</FormTemplates>
-</file>
-
 <file path=customXml/itemProps1.xml><?xml version="1.0" encoding="utf-8"?>
-<ds:datastoreItem xmlns:ds="http://schemas.openxmlformats.org/officeDocument/2006/customXml" ds:itemID="{BA980A2A-027D-4974-B588-4101B49F521D}">
+<ds:datastoreItem xmlns:ds="http://schemas.openxmlformats.org/officeDocument/2006/customXml" ds:itemID="{F5EE1230-8E06-4B7E-922E-37040E46E781}">
   <ds:schemaRefs>
-    <ds:schemaRef ds:uri="http://schemas.microsoft.com/office/2006/metadata/contentType"/>
-    <ds:schemaRef ds:uri="http://schemas.microsoft.com/office/2006/metadata/properties/metaAttributes"/>
-    <ds:schemaRef ds:uri="http://www.w3.org/2001/XMLSchema"/>
-    <ds:schemaRef ds:uri="http://schemas.microsoft.com/office/2006/metadata/properties"/>
-    <ds:schemaRef ds:uri="6794D9DE-4FDF-4DC0-8B2C-5438320C69D5"/>
-    <ds:schemaRef ds:uri="http://schemas.microsoft.com/office/2006/documentManagement/types"/>
-    <ds:schemaRef ds:uri="http://schemas.microsoft.com/office/infopath/2007/PartnerControls"/>
-    <ds:schemaRef ds:uri="http://schemas.openxmlformats.org/package/2006/metadata/core-properties"/>
-    <ds:schemaRef ds:uri="http://purl.org/dc/elements/1.1/"/>
-    <ds:schemaRef ds:uri="http://purl.org/dc/terms/"/>
-    <ds:schemaRef ds:uri="http://schemas.microsoft.com/internal/obd"/>
+    <ds:schemaRef ds:uri="http://schemas.microsoft.com/sharepoint/v3/contenttype/forms"/>
   </ds:schemaRefs>
 </ds:datastoreItem>
 </file>
@@ -35572,9 +35574,19 @@
 </file>
 
 <file path=customXml/itemProps3.xml><?xml version="1.0" encoding="utf-8"?>
-<ds:datastoreItem xmlns:ds="http://schemas.openxmlformats.org/officeDocument/2006/customXml" ds:itemID="{F5EE1230-8E06-4B7E-922E-37040E46E781}">
+<ds:datastoreItem xmlns:ds="http://schemas.openxmlformats.org/officeDocument/2006/customXml" ds:itemID="{BA980A2A-027D-4974-B588-4101B49F521D}">
   <ds:schemaRefs>
-    <ds:schemaRef ds:uri="http://schemas.microsoft.com/sharepoint/v3/contenttype/forms"/>
+    <ds:schemaRef ds:uri="http://schemas.microsoft.com/office/2006/metadata/contentType"/>
+    <ds:schemaRef ds:uri="http://schemas.microsoft.com/office/2006/metadata/properties/metaAttributes"/>
+    <ds:schemaRef ds:uri="http://www.w3.org/2001/XMLSchema"/>
+    <ds:schemaRef ds:uri="http://schemas.microsoft.com/office/2006/metadata/properties"/>
+    <ds:schemaRef ds:uri="6794D9DE-4FDF-4DC0-8B2C-5438320C69D5"/>
+    <ds:schemaRef ds:uri="http://schemas.microsoft.com/office/2006/documentManagement/types"/>
+    <ds:schemaRef ds:uri="http://schemas.microsoft.com/office/infopath/2007/PartnerControls"/>
+    <ds:schemaRef ds:uri="http://schemas.openxmlformats.org/package/2006/metadata/core-properties"/>
+    <ds:schemaRef ds:uri="http://purl.org/dc/elements/1.1/"/>
+    <ds:schemaRef ds:uri="http://purl.org/dc/terms/"/>
+    <ds:schemaRef ds:uri="http://schemas.microsoft.com/internal/obd"/>
   </ds:schemaRefs>
 </ds:datastoreItem>
 </file>
--- a/09-Abstract classes.pptx
+++ b/09-Abstract classes.pptx
@@ -2882,7 +2882,7 @@
           <a:p>
             <a:fld id="{86D088FE-3E68-47FE-8BA4-634CD34BABBC}" type="datetimeFigureOut">
               <a:rPr lang="en-GB" smtClean="0"/>
-              <a:t>10/12/2025</a:t>
+              <a:t>11/12/2025</a:t>
             </a:fld>
             <a:endParaRPr lang="en-GB"/>
           </a:p>
@@ -3052,7 +3052,7 @@
             <a:fld id="{1D6B66C6-1E92-0F4E-A300-9D4ED1F0C23F}" type="datetimeFigureOut">
               <a:rPr lang="en-GB" smtClean="0"/>
               <a:pPr/>
-              <a:t>10/12/2025</a:t>
+              <a:t>11/12/2025</a:t>
             </a:fld>
             <a:endParaRPr lang="en-GB"/>
           </a:p>
@@ -30919,7 +30919,7 @@
         </p:nvSpPr>
         <p:spPr bwMode="auto">
           <a:xfrm>
-            <a:off x="7905751" y="1304077"/>
+            <a:off x="8995515" y="1304077"/>
             <a:ext cx="2651413" cy="646331"/>
           </a:xfrm>
           <a:prstGeom prst="rect">
@@ -30969,78 +30969,14 @@
       </p:sp>
       <p:sp>
         <p:nvSpPr>
-          <p:cNvPr id="37" name="Text Box 7"/>
-          <p:cNvSpPr txBox="1">
-            <a:spLocks noChangeArrowheads="1"/>
-          </p:cNvSpPr>
-          <p:nvPr/>
-        </p:nvSpPr>
-        <p:spPr bwMode="auto">
-          <a:xfrm>
-            <a:off x="7905751" y="2017995"/>
-            <a:ext cx="2651413" cy="584775"/>
-          </a:xfrm>
-          <a:prstGeom prst="rect">
-            <a:avLst/>
-          </a:prstGeom>
-          <a:solidFill>
-            <a:srgbClr val="7E007C"/>
-          </a:solidFill>
-          <a:ln>
-            <a:headEnd/>
-            <a:tailEnd/>
-          </a:ln>
-          <a:effectLst/>
-        </p:spPr>
-        <p:style>
-          <a:lnRef idx="0">
-            <a:schemeClr val="accent4"/>
-          </a:lnRef>
-          <a:fillRef idx="3">
-            <a:schemeClr val="accent4"/>
-          </a:fillRef>
-          <a:effectRef idx="3">
-            <a:schemeClr val="accent4"/>
-          </a:effectRef>
-          <a:fontRef idx="minor">
-            <a:schemeClr val="lt1"/>
-          </a:fontRef>
-        </p:style>
-        <p:txBody>
-          <a:bodyPr wrap="square">
-            <a:spAutoFit/>
-          </a:bodyPr>
-          <a:lstStyle/>
-          <a:p>
-            <a:pPr eaLnBrk="0" hangingPunct="0">
-              <a:spcBef>
-                <a:spcPct val="50000"/>
-              </a:spcBef>
-            </a:pPr>
-            <a:r>
-              <a:rPr lang="en-GB" sz="1600" b="1" dirty="0"/>
-              <a:t>You can override </a:t>
-            </a:r>
-            <a:br>
-              <a:rPr lang="en-GB" sz="1600" b="1" dirty="0"/>
-            </a:br>
-            <a:r>
-              <a:rPr lang="en-GB" sz="1600" b="1" dirty="0"/>
-              <a:t>but don’t  have to.</a:t>
-            </a:r>
-          </a:p>
-        </p:txBody>
-      </p:sp>
-      <p:sp>
-        <p:nvSpPr>
           <p:cNvPr id="10" name="Rectangle 9"/>
           <p:cNvSpPr/>
           <p:nvPr/>
         </p:nvSpPr>
         <p:spPr>
           <a:xfrm>
-            <a:off x="1790700" y="1317224"/>
-            <a:ext cx="5581650" cy="1569660"/>
+            <a:off x="391646" y="1326168"/>
+            <a:ext cx="8063421" cy="1323439"/>
           </a:xfrm>
           <a:prstGeom prst="rect">
             <a:avLst/>
@@ -31142,23 +31078,6 @@
               </a:rPr>
               <a:t>(), </a:t>
             </a:r>
-            <a:br>
-              <a:rPr lang="en-GB" sz="1600" b="1" dirty="0">
-                <a:solidFill>
-                  <a:srgbClr val="000000"/>
-                </a:solidFill>
-                <a:latin typeface="Consolas" panose="020B0609020204030204" pitchFamily="49" charset="0"/>
-              </a:rPr>
-            </a:br>
-            <a:r>
-              <a:rPr lang="en-GB" sz="1600" b="1" dirty="0">
-                <a:solidFill>
-                  <a:srgbClr val="000000"/>
-                </a:solidFill>
-                <a:latin typeface="Consolas" panose="020B0609020204030204" pitchFamily="49" charset="0"/>
-              </a:rPr>
-              <a:t>   			</a:t>
-            </a:r>
             <a:r>
               <a:rPr lang="en-GB" sz="1600" b="1" dirty="0">
                 <a:solidFill>
@@ -31319,8 +31238,8 @@
         </p:nvSpPr>
         <p:spPr>
           <a:xfrm>
-            <a:off x="1790700" y="3038841"/>
-            <a:ext cx="5581650" cy="3662541"/>
+            <a:off x="390074" y="2800847"/>
+            <a:ext cx="8063421" cy="3662541"/>
           </a:xfrm>
           <a:prstGeom prst="rect">
             <a:avLst/>
@@ -31456,6 +31375,24 @@
             <a:r>
               <a:rPr lang="en-GB" sz="1600" b="1" dirty="0">
                 <a:solidFill>
+                  <a:srgbClr val="0000C0"/>
+                </a:solidFill>
+                <a:latin typeface="Consolas" panose="020B0609020204030204" pitchFamily="49" charset="0"/>
+              </a:rPr>
+              <a:t>virtual</a:t>
+            </a:r>
+            <a:r>
+              <a:rPr lang="en-GB" sz="1600" b="1" dirty="0">
+                <a:solidFill>
+                  <a:srgbClr val="000000"/>
+                </a:solidFill>
+                <a:latin typeface="Consolas" panose="020B0609020204030204" pitchFamily="49" charset="0"/>
+              </a:rPr>
+              <a:t> </a:t>
+            </a:r>
+            <a:r>
+              <a:rPr lang="en-GB" sz="1600" b="1" dirty="0">
+                <a:solidFill>
                   <a:srgbClr val="7F0055"/>
                 </a:solidFill>
                 <a:latin typeface="Consolas" panose="020B0609020204030204" pitchFamily="49" charset="0"/>
@@ -31472,7 +31409,7 @@
               <a:t> withdraw(</a:t>
             </a:r>
             <a:r>
-              <a:rPr lang="en-GB" sz="1600" b="1" dirty="0" err="1">
+              <a:rPr lang="en-GB" sz="1600" b="1" dirty="0">
                 <a:solidFill>
                   <a:srgbClr val="7F0055"/>
                 </a:solidFill>
@@ -31490,7 +31427,7 @@
               <a:t> </a:t>
             </a:r>
             <a:r>
-              <a:rPr lang="en-GB" sz="1600" b="1" dirty="0" err="1">
+              <a:rPr lang="en-GB" sz="1600" b="1" dirty="0">
                 <a:solidFill>
                   <a:srgbClr val="6A3E3E"/>
                 </a:solidFill>
@@ -31602,6 +31539,15 @@
             <a:r>
               <a:rPr lang="en-GB" sz="1400" b="1" dirty="0">
                 <a:solidFill>
+                  <a:srgbClr val="0000C0"/>
+                </a:solidFill>
+                <a:latin typeface="Consolas" panose="020B0609020204030204" pitchFamily="49" charset="0"/>
+              </a:rPr>
+              <a:t>override </a:t>
+            </a:r>
+            <a:r>
+              <a:rPr lang="en-GB" sz="1400" b="1" dirty="0">
+                <a:solidFill>
                   <a:srgbClr val="7F0055"/>
                 </a:solidFill>
                 <a:latin typeface="Consolas" panose="020B0609020204030204" pitchFamily="49" charset="0"/>
@@ -31618,7 +31564,7 @@
               <a:t> withdraw(</a:t>
             </a:r>
             <a:r>
-              <a:rPr lang="en-GB" sz="1400" b="1" dirty="0" err="1">
+              <a:rPr lang="en-GB" sz="1400" b="1" dirty="0">
                 <a:solidFill>
                   <a:srgbClr val="7F0055"/>
                 </a:solidFill>
@@ -31636,7 +31582,7 @@
               <a:t> </a:t>
             </a:r>
             <a:r>
-              <a:rPr lang="en-GB" sz="1400" b="1" dirty="0" err="1">
+              <a:rPr lang="en-GB" sz="1400" b="1" dirty="0">
                 <a:solidFill>
                   <a:srgbClr val="6A3E3E"/>
                 </a:solidFill>
@@ -31824,6 +31770,15 @@
             <a:r>
               <a:rPr lang="en-GB" sz="1400" b="1" dirty="0">
                 <a:solidFill>
+                  <a:srgbClr val="0000C0"/>
+                </a:solidFill>
+                <a:latin typeface="Consolas" panose="020B0609020204030204" pitchFamily="49" charset="0"/>
+              </a:rPr>
+              <a:t>override </a:t>
+            </a:r>
+            <a:r>
+              <a:rPr lang="en-GB" sz="1400" b="1" dirty="0">
+                <a:solidFill>
                   <a:srgbClr val="7F0055"/>
                 </a:solidFill>
                 <a:latin typeface="Consolas" panose="020B0609020204030204" pitchFamily="49" charset="0"/>
@@ -31840,7 +31795,7 @@
               <a:t> withdraw(</a:t>
             </a:r>
             <a:r>
-              <a:rPr lang="en-GB" sz="1400" b="1" dirty="0" err="1">
+              <a:rPr lang="en-GB" sz="1400" b="1" dirty="0">
                 <a:solidFill>
                   <a:srgbClr val="7F0055"/>
                 </a:solidFill>
@@ -31858,7 +31813,7 @@
               <a:t> </a:t>
             </a:r>
             <a:r>
-              <a:rPr lang="en-GB" sz="1400" b="1" dirty="0" err="1">
+              <a:rPr lang="en-GB" sz="1400" b="1" dirty="0">
                 <a:solidFill>
                   <a:srgbClr val="6A3E3E"/>
                 </a:solidFill>
@@ -31973,13 +31928,13 @@
         </p:nvSpPr>
         <p:spPr>
           <a:xfrm>
-            <a:off x="6036134" y="3145999"/>
-            <a:ext cx="1317166" cy="638175"/>
+            <a:off x="5855289" y="3191006"/>
+            <a:ext cx="1885796" cy="584775"/>
           </a:xfrm>
           <a:prstGeom prst="wedgeRoundRectCallout">
             <a:avLst>
-              <a:gd name="adj1" fmla="val -57833"/>
-              <a:gd name="adj2" fmla="val 47575"/>
+              <a:gd name="adj1" fmla="val -63428"/>
+              <a:gd name="adj2" fmla="val -9998"/>
               <a:gd name="adj3" fmla="val 16667"/>
             </a:avLst>
           </a:prstGeom>
@@ -31989,7 +31944,16 @@
               <a:lumOff val="80000"/>
             </a:schemeClr>
           </a:solidFill>
-          <a:ln w="19050"/>
+          <a:ln w="19050">
+            <a:noFill/>
+          </a:ln>
+          <a:effectLst>
+            <a:innerShdw blurRad="63500" dist="50800" dir="18900000">
+              <a:prstClr val="black">
+                <a:alpha val="50000"/>
+              </a:prstClr>
+            </a:innerShdw>
+          </a:effectLst>
         </p:spPr>
         <p:style>
           <a:lnRef idx="2">
@@ -32018,7 +31982,23 @@
                   <a:schemeClr val="tx1"/>
                 </a:solidFill>
               </a:rPr>
-              <a:t>Add a withdraw() method</a:t>
+              <a:t>Add a </a:t>
+            </a:r>
+            <a:r>
+              <a:rPr lang="en-GB" sz="1400" b="1" dirty="0">
+                <a:solidFill>
+                  <a:schemeClr val="tx1"/>
+                </a:solidFill>
+              </a:rPr>
+              <a:t>withdraw()</a:t>
+            </a:r>
+            <a:r>
+              <a:rPr lang="en-GB" sz="1400" dirty="0">
+                <a:solidFill>
+                  <a:schemeClr val="tx1"/>
+                </a:solidFill>
+              </a:rPr>
+              <a:t> method</a:t>
             </a:r>
             <a:endParaRPr lang="en-GB" sz="1400" dirty="0">
               <a:solidFill>
@@ -32040,7 +32020,7 @@
         </p:nvSpPr>
         <p:spPr bwMode="auto">
           <a:xfrm>
-            <a:off x="7905751" y="2856195"/>
+            <a:off x="9150513" y="5875156"/>
             <a:ext cx="2651413" cy="584775"/>
           </a:xfrm>
           <a:prstGeom prst="rect">
@@ -32083,6 +32063,83 @@
             <a:r>
               <a:rPr lang="en-GB" sz="1600" b="1" dirty="0"/>
               <a:t>But, you can create an instance of Account</a:t>
+            </a:r>
+          </a:p>
+        </p:txBody>
+      </p:sp>
+      <p:sp>
+        <p:nvSpPr>
+          <p:cNvPr id="2" name="Rounded Rectangular Callout 2">
+            <a:extLst>
+              <a:ext uri="{FF2B5EF4-FFF2-40B4-BE49-F238E27FC236}">
+                <a16:creationId xmlns:a16="http://schemas.microsoft.com/office/drawing/2014/main" id="{773B1BFA-9A6E-1CD6-EE3B-B21496901F4F}"/>
+              </a:ext>
+            </a:extLst>
+          </p:cNvPr>
+          <p:cNvSpPr/>
+          <p:nvPr/>
+        </p:nvSpPr>
+        <p:spPr>
+          <a:xfrm>
+            <a:off x="5080503" y="4165940"/>
+            <a:ext cx="1885796" cy="584775"/>
+          </a:xfrm>
+          <a:prstGeom prst="wedgeRoundRectCallout">
+            <a:avLst>
+              <a:gd name="adj1" fmla="val -63428"/>
+              <a:gd name="adj2" fmla="val -9998"/>
+              <a:gd name="adj3" fmla="val 16667"/>
+            </a:avLst>
+          </a:prstGeom>
+          <a:solidFill>
+            <a:schemeClr val="accent1">
+              <a:lumMod val="20000"/>
+              <a:lumOff val="80000"/>
+            </a:schemeClr>
+          </a:solidFill>
+          <a:ln w="19050">
+            <a:noFill/>
+          </a:ln>
+          <a:effectLst>
+            <a:innerShdw blurRad="63500" dist="50800" dir="18900000">
+              <a:prstClr val="black">
+                <a:alpha val="50000"/>
+              </a:prstClr>
+            </a:innerShdw>
+          </a:effectLst>
+        </p:spPr>
+        <p:style>
+          <a:lnRef idx="2">
+            <a:schemeClr val="accent1">
+              <a:shade val="50000"/>
+            </a:schemeClr>
+          </a:lnRef>
+          <a:fillRef idx="1">
+            <a:schemeClr val="accent1"/>
+          </a:fillRef>
+          <a:effectRef idx="0">
+            <a:schemeClr val="accent1"/>
+          </a:effectRef>
+          <a:fontRef idx="minor">
+            <a:schemeClr val="lt1"/>
+          </a:fontRef>
+        </p:style>
+        <p:txBody>
+          <a:bodyPr rtlCol="0" anchor="ctr"/>
+          <a:lstStyle/>
+          <a:p>
+            <a:pPr eaLnBrk="0" hangingPunct="0">
+              <a:spcBef>
+                <a:spcPct val="50000"/>
+              </a:spcBef>
+            </a:pPr>
+            <a:r>
+              <a:rPr lang="en-GB" sz="1400" b="1" dirty="0">
+                <a:solidFill>
+                  <a:schemeClr val="tx1"/>
+                </a:solidFill>
+              </a:rPr>
+              <a:t>You can override </a:t>
             </a:r>
           </a:p>
         </p:txBody>
@@ -32748,6 +32805,15 @@
             <a:r>
               <a:rPr lang="en-GB" sz="1400" b="1" dirty="0">
                 <a:solidFill>
+                  <a:srgbClr val="0000C0"/>
+                </a:solidFill>
+                <a:latin typeface="Consolas" panose="020B0609020204030204" pitchFamily="49" charset="0"/>
+              </a:rPr>
+              <a:t>override </a:t>
+            </a:r>
+            <a:r>
+              <a:rPr lang="en-GB" sz="1400" b="1" dirty="0">
+                <a:solidFill>
                   <a:srgbClr val="7F0055"/>
                 </a:solidFill>
                 <a:latin typeface="Consolas" panose="020B0609020204030204" pitchFamily="49" charset="0"/>
@@ -32764,7 +32830,7 @@
               <a:t> withdraw(</a:t>
             </a:r>
             <a:r>
-              <a:rPr lang="en-GB" sz="1400" b="1" dirty="0" err="1">
+              <a:rPr lang="en-GB" sz="1400" b="1" dirty="0">
                 <a:solidFill>
                   <a:srgbClr val="7F0055"/>
                 </a:solidFill>
@@ -32782,7 +32848,7 @@
               <a:t> </a:t>
             </a:r>
             <a:r>
-              <a:rPr lang="en-GB" sz="1400" b="1" dirty="0" err="1">
+              <a:rPr lang="en-GB" sz="1400" b="1" dirty="0">
                 <a:solidFill>
                   <a:srgbClr val="6A3E3E"/>
                 </a:solidFill>
@@ -32943,6 +33009,15 @@
             <a:r>
               <a:rPr lang="en-GB" sz="1400" b="1" dirty="0">
                 <a:solidFill>
+                  <a:srgbClr val="0000C0"/>
+                </a:solidFill>
+                <a:latin typeface="Consolas" panose="020B0609020204030204" pitchFamily="49" charset="0"/>
+              </a:rPr>
+              <a:t>override </a:t>
+            </a:r>
+            <a:r>
+              <a:rPr lang="en-GB" sz="1400" b="1" dirty="0">
+                <a:solidFill>
                   <a:srgbClr val="7F0055"/>
                 </a:solidFill>
                 <a:latin typeface="Consolas" panose="020B0609020204030204" pitchFamily="49" charset="0"/>
@@ -32959,7 +33034,7 @@
               <a:t> withdraw(</a:t>
             </a:r>
             <a:r>
-              <a:rPr lang="en-GB" sz="1400" b="1" dirty="0" err="1">
+              <a:rPr lang="en-GB" sz="1400" b="1" dirty="0">
                 <a:solidFill>
                   <a:srgbClr val="7F0055"/>
                 </a:solidFill>
@@ -32977,7 +33052,7 @@
               <a:t> </a:t>
             </a:r>
             <a:r>
-              <a:rPr lang="en-GB" sz="1400" b="1" dirty="0" err="1">
+              <a:rPr lang="en-GB" sz="1400" b="1" dirty="0">
                 <a:solidFill>
                   <a:srgbClr val="6A3E3E"/>
                 </a:solidFill>
@@ -33305,7 +33380,14 @@
             </a:pPr>
             <a:r>
               <a:rPr lang="en-GB" sz="1600" dirty="0"/>
-              <a:t>Have no code, as they cannot meaningfully be implemented</a:t>
+              <a:t>Have no code, as they cannot meaningfully </a:t>
+            </a:r>
+            <a:br>
+              <a:rPr lang="en-GB" sz="1600" dirty="0"/>
+            </a:br>
+            <a:r>
+              <a:rPr lang="en-GB" sz="1600" dirty="0"/>
+              <a:t>be implemented</a:t>
             </a:r>
           </a:p>
         </p:txBody>
@@ -33337,11 +33419,11 @@
             <a:noFill/>
           </a:ln>
           <a:effectLst>
-            <a:outerShdw blurRad="50800" dist="38100" algn="l" rotWithShape="0">
+            <a:innerShdw blurRad="63500" dist="50800" dir="18900000">
               <a:prstClr val="black">
-                <a:alpha val="40000"/>
+                <a:alpha val="50000"/>
               </a:prstClr>
-            </a:outerShdw>
+            </a:innerShdw>
           </a:effectLst>
         </p:spPr>
         <p:style>
@@ -33366,7 +33448,7 @@
           <a:p>
             <a:pPr algn="ctr"/>
             <a:r>
-              <a:rPr lang="en-GB" sz="1200" dirty="0">
+              <a:rPr lang="en-GB" sz="1200" b="1" dirty="0">
                 <a:solidFill>
                   <a:schemeClr val="tx1"/>
                 </a:solidFill>
@@ -33439,8 +33521,8 @@
         </p:nvSpPr>
         <p:spPr>
           <a:xfrm>
-            <a:off x="1847850" y="1153716"/>
-            <a:ext cx="6073140" cy="2031325"/>
+            <a:off x="570195" y="1552559"/>
+            <a:ext cx="6073140" cy="1107996"/>
           </a:xfrm>
           <a:prstGeom prst="rect">
             <a:avLst/>
@@ -33484,13 +33566,22 @@
           <a:lstStyle/>
           <a:p>
             <a:r>
-              <a:rPr lang="en-GB" sz="1600" dirty="0">
+              <a:rPr lang="en-GB" sz="1600" b="1" dirty="0">
                 <a:solidFill>
                   <a:srgbClr val="000000"/>
                 </a:solidFill>
                 <a:latin typeface="Consolas" panose="020B0609020204030204" pitchFamily="49" charset="0"/>
               </a:rPr>
-              <a:t>Shape[] </a:t>
+              <a:t>Shape</a:t>
+            </a:r>
+            <a:r>
+              <a:rPr lang="en-GB" sz="1600" dirty="0">
+                <a:solidFill>
+                  <a:srgbClr val="000000"/>
+                </a:solidFill>
+                <a:latin typeface="Consolas" panose="020B0609020204030204" pitchFamily="49" charset="0"/>
+              </a:rPr>
+              <a:t>[] </a:t>
             </a:r>
             <a:r>
               <a:rPr lang="en-GB" sz="1600" dirty="0">
@@ -33582,7 +33673,7 @@
                 </a:solidFill>
                 <a:latin typeface="Consolas" panose="020B0609020204030204" pitchFamily="49" charset="0"/>
               </a:rPr>
-              <a:t> :n </a:t>
+              <a:t> in </a:t>
             </a:r>
             <a:r>
               <a:rPr lang="en-GB" sz="1600" b="1" dirty="0">
@@ -33611,10 +33702,19 @@
                 </a:solidFill>
                 <a:latin typeface="Consolas" panose="020B0609020204030204" pitchFamily="49" charset="0"/>
               </a:rPr>
-              <a:t>	draw(</a:t>
-            </a:r>
-            <a:r>
-              <a:rPr lang="en-GB" sz="1600" i="1" dirty="0">
+              <a:t>	</a:t>
+            </a:r>
+            <a:r>
+              <a:rPr lang="en-GB" sz="1600" dirty="0">
+                <a:solidFill>
+                  <a:srgbClr val="6A3E3E"/>
+                </a:solidFill>
+                <a:latin typeface="Consolas" panose="020B0609020204030204" pitchFamily="49" charset="0"/>
+              </a:rPr>
+              <a:t> </a:t>
+            </a:r>
+            <a:r>
+              <a:rPr lang="en-GB" b="1" dirty="0" err="1">
                 <a:solidFill>
                   <a:srgbClr val="6A3E3E"/>
                 </a:solidFill>
@@ -33623,14 +33723,29 @@
               <a:t>shape</a:t>
             </a:r>
             <a:r>
-              <a:rPr lang="en-GB" sz="1600" i="1" dirty="0">
+              <a:rPr lang="en-GB" b="1" dirty="0" err="1">
                 <a:solidFill>
                   <a:srgbClr val="000000"/>
                 </a:solidFill>
                 <a:latin typeface="Consolas" panose="020B0609020204030204" pitchFamily="49" charset="0"/>
               </a:rPr>
-              <a:t>);</a:t>
-            </a:r>
+              <a:t>.draw</a:t>
+            </a:r>
+            <a:r>
+              <a:rPr lang="en-GB" b="1" dirty="0">
+                <a:solidFill>
+                  <a:srgbClr val="000000"/>
+                </a:solidFill>
+                <a:latin typeface="Consolas" panose="020B0609020204030204" pitchFamily="49" charset="0"/>
+              </a:rPr>
+              <a:t>();</a:t>
+            </a:r>
+            <a:endParaRPr lang="en-GB" sz="1600" b="1" i="1" dirty="0">
+              <a:solidFill>
+                <a:srgbClr val="000000"/>
+              </a:solidFill>
+              <a:latin typeface="Consolas" panose="020B0609020204030204" pitchFamily="49" charset="0"/>
+            </a:endParaRPr>
           </a:p>
           <a:p>
             <a:r>
@@ -33648,98 +33763,6 @@
               </a:solidFill>
               <a:latin typeface="Consolas" panose="020B0609020204030204" pitchFamily="49" charset="0"/>
             </a:endParaRPr>
-          </a:p>
-          <a:p>
-            <a:endParaRPr lang="en-GB" sz="1400" dirty="0">
-              <a:latin typeface="Consolas" panose="020B0609020204030204" pitchFamily="49" charset="0"/>
-            </a:endParaRPr>
-          </a:p>
-          <a:p>
-            <a:r>
-              <a:rPr lang="en-GB" sz="1600" b="1" dirty="0">
-                <a:solidFill>
-                  <a:srgbClr val="7F0055"/>
-                </a:solidFill>
-                <a:latin typeface="Consolas" panose="020B0609020204030204" pitchFamily="49" charset="0"/>
-              </a:rPr>
-              <a:t>void</a:t>
-            </a:r>
-            <a:r>
-              <a:rPr lang="en-GB" sz="1600" b="1" dirty="0">
-                <a:solidFill>
-                  <a:srgbClr val="000000"/>
-                </a:solidFill>
-                <a:latin typeface="Consolas" panose="020B0609020204030204" pitchFamily="49" charset="0"/>
-              </a:rPr>
-              <a:t> draw(Shape </a:t>
-            </a:r>
-            <a:r>
-              <a:rPr lang="en-GB" sz="1600" b="1" dirty="0">
-                <a:solidFill>
-                  <a:srgbClr val="6A3E3E"/>
-                </a:solidFill>
-                <a:latin typeface="Consolas" panose="020B0609020204030204" pitchFamily="49" charset="0"/>
-              </a:rPr>
-              <a:t>shape</a:t>
-            </a:r>
-            <a:r>
-              <a:rPr lang="en-GB" sz="1600" b="1" dirty="0">
-                <a:solidFill>
-                  <a:srgbClr val="000000"/>
-                </a:solidFill>
-                <a:latin typeface="Consolas" panose="020B0609020204030204" pitchFamily="49" charset="0"/>
-              </a:rPr>
-              <a:t>) {</a:t>
-            </a:r>
-          </a:p>
-          <a:p>
-            <a:r>
-              <a:rPr lang="en-GB" sz="1600" dirty="0">
-                <a:solidFill>
-                  <a:srgbClr val="6A3E3E"/>
-                </a:solidFill>
-                <a:latin typeface="Consolas" panose="020B0609020204030204" pitchFamily="49" charset="0"/>
-              </a:rPr>
-              <a:t>    </a:t>
-            </a:r>
-            <a:r>
-              <a:rPr lang="en-GB" sz="1600" dirty="0" err="1">
-                <a:solidFill>
-                  <a:srgbClr val="6A3E3E"/>
-                </a:solidFill>
-                <a:latin typeface="Consolas" panose="020B0609020204030204" pitchFamily="49" charset="0"/>
-              </a:rPr>
-              <a:t>shape</a:t>
-            </a:r>
-            <a:r>
-              <a:rPr lang="en-GB" sz="1600" dirty="0" err="1">
-                <a:solidFill>
-                  <a:srgbClr val="000000"/>
-                </a:solidFill>
-                <a:latin typeface="Consolas" panose="020B0609020204030204" pitchFamily="49" charset="0"/>
-              </a:rPr>
-              <a:t>.draw</a:t>
-            </a:r>
-            <a:r>
-              <a:rPr lang="en-GB" sz="1600" dirty="0">
-                <a:solidFill>
-                  <a:srgbClr val="000000"/>
-                </a:solidFill>
-                <a:latin typeface="Consolas" panose="020B0609020204030204" pitchFamily="49" charset="0"/>
-              </a:rPr>
-              <a:t>();</a:t>
-            </a:r>
-          </a:p>
-          <a:p>
-            <a:r>
-              <a:rPr lang="en-GB" sz="1600" dirty="0">
-                <a:solidFill>
-                  <a:srgbClr val="000000"/>
-                </a:solidFill>
-                <a:latin typeface="Consolas" panose="020B0609020204030204" pitchFamily="49" charset="0"/>
-              </a:rPr>
-              <a:t>}</a:t>
-            </a:r>
           </a:p>
         </p:txBody>
       </p:sp>
@@ -33751,7 +33774,7 @@
         </p:nvSpPr>
         <p:spPr>
           <a:xfrm>
-            <a:off x="1847850" y="3345812"/>
+            <a:off x="570195" y="2846056"/>
             <a:ext cx="4572000" cy="861774"/>
           </a:xfrm>
           <a:prstGeom prst="rect">
@@ -33908,7 +33931,7 @@
         </p:nvSpPr>
         <p:spPr>
           <a:xfrm>
-            <a:off x="339971" y="4991653"/>
+            <a:off x="570195" y="4357455"/>
             <a:ext cx="6073140" cy="895064"/>
           </a:xfrm>
           <a:prstGeom prst="wedgeRoundRectCallout">
@@ -34014,7 +34037,7 @@
         </p:nvSpPr>
         <p:spPr>
           <a:xfrm>
-            <a:off x="6716100" y="3266849"/>
+            <a:off x="7049805" y="2846056"/>
             <a:ext cx="4572000" cy="2800767"/>
           </a:xfrm>
           <a:prstGeom prst="rect">
@@ -34116,6 +34139,15 @@
             <a:r>
               <a:rPr lang="en-GB" sz="1600" b="1" dirty="0">
                 <a:solidFill>
+                  <a:srgbClr val="0000C0"/>
+                </a:solidFill>
+                <a:latin typeface="Consolas" panose="020B0609020204030204" pitchFamily="49" charset="0"/>
+              </a:rPr>
+              <a:t>override </a:t>
+            </a:r>
+            <a:r>
+              <a:rPr lang="en-GB" sz="1600" b="1" dirty="0">
+                <a:solidFill>
                   <a:srgbClr val="7F0055"/>
                 </a:solidFill>
                 <a:latin typeface="Consolas" panose="020B0609020204030204" pitchFamily="49" charset="0"/>
@@ -34229,6 +34261,15 @@
                 <a:latin typeface="Consolas" panose="020B0609020204030204" pitchFamily="49" charset="0"/>
               </a:rPr>
               <a:t> </a:t>
+            </a:r>
+            <a:r>
+              <a:rPr lang="en-GB" sz="1600" b="1" dirty="0">
+                <a:solidFill>
+                  <a:srgbClr val="0000C0"/>
+                </a:solidFill>
+                <a:latin typeface="Consolas" panose="020B0609020204030204" pitchFamily="49" charset="0"/>
+              </a:rPr>
+              <a:t>override </a:t>
             </a:r>
             <a:r>
               <a:rPr lang="en-GB" sz="1600" b="1" dirty="0">
